--- a/ppt 16-9/0281.号筒吹响.pptx
+++ b/ppt 16-9/0281.号筒吹响.pptx
@@ -129,7 +129,7 @@
           <p:cNvPr id="2" name="标题 1">
             <a:extLst>
               <a:ext uri="{FF2B5EF4-FFF2-40B4-BE49-F238E27FC236}">
-                <a16:creationId xmlns:a16="http://schemas.microsoft.com/office/drawing/2014/main" id="{4E981143-EFB1-B506-8229-DB41FCB2D6D1}"/>
+                <a16:creationId xmlns:a16="http://schemas.microsoft.com/office/drawing/2014/main" id="{6C31D422-7AF4-F840-A9F4-284A34B782B4}"/>
               </a:ext>
             </a:extLst>
           </p:cNvPr>
@@ -166,7 +166,7 @@
           <p:cNvPr id="3" name="副标题 2">
             <a:extLst>
               <a:ext uri="{FF2B5EF4-FFF2-40B4-BE49-F238E27FC236}">
-                <a16:creationId xmlns:a16="http://schemas.microsoft.com/office/drawing/2014/main" id="{C6C58E25-F71A-012C-D212-37F654A754CC}"/>
+                <a16:creationId xmlns:a16="http://schemas.microsoft.com/office/drawing/2014/main" id="{C8B6C16A-68F4-B63B-C687-18680BA3AEFA}"/>
               </a:ext>
             </a:extLst>
           </p:cNvPr>
@@ -236,7 +236,7 @@
           <p:cNvPr id="4" name="日期占位符 3">
             <a:extLst>
               <a:ext uri="{FF2B5EF4-FFF2-40B4-BE49-F238E27FC236}">
-                <a16:creationId xmlns:a16="http://schemas.microsoft.com/office/drawing/2014/main" id="{53BC3D41-F399-9C8A-4110-A930514BD38B}"/>
+                <a16:creationId xmlns:a16="http://schemas.microsoft.com/office/drawing/2014/main" id="{1DCD5F36-9A37-16F0-F500-28F6FC840CAF}"/>
               </a:ext>
             </a:extLst>
           </p:cNvPr>
@@ -252,7 +252,7 @@
           <a:bodyPr/>
           <a:lstStyle/>
           <a:p>
-            <a:fld id="{7F3ECD08-94F6-4AD2-B5FB-7340706F3088}" type="datetimeFigureOut">
+            <a:fld id="{C3CC66DB-5DE6-4D36-85C3-0EB5AA32248A}" type="datetimeFigureOut">
               <a:rPr lang="zh-CN" altLang="en-US" smtClean="0"/>
               <a:t>2024/3/10</a:t>
             </a:fld>
@@ -265,7 +265,7 @@
           <p:cNvPr id="5" name="页脚占位符 4">
             <a:extLst>
               <a:ext uri="{FF2B5EF4-FFF2-40B4-BE49-F238E27FC236}">
-                <a16:creationId xmlns:a16="http://schemas.microsoft.com/office/drawing/2014/main" id="{6A11BDFA-625E-D203-7ECF-4B4475BA3CC7}"/>
+                <a16:creationId xmlns:a16="http://schemas.microsoft.com/office/drawing/2014/main" id="{1ACC89FC-4749-68BE-DDFD-D16E696FB78F}"/>
               </a:ext>
             </a:extLst>
           </p:cNvPr>
@@ -290,7 +290,7 @@
           <p:cNvPr id="6" name="灯片编号占位符 5">
             <a:extLst>
               <a:ext uri="{FF2B5EF4-FFF2-40B4-BE49-F238E27FC236}">
-                <a16:creationId xmlns:a16="http://schemas.microsoft.com/office/drawing/2014/main" id="{75AB2387-3337-780F-12BD-BCD0ADAD7841}"/>
+                <a16:creationId xmlns:a16="http://schemas.microsoft.com/office/drawing/2014/main" id="{F6644143-4C54-5392-D700-F376BB46FCA6}"/>
               </a:ext>
             </a:extLst>
           </p:cNvPr>
@@ -306,7 +306,7 @@
           <a:bodyPr/>
           <a:lstStyle/>
           <a:p>
-            <a:fld id="{43AC1581-9490-46B0-BB42-BC38E8632258}" type="slidenum">
+            <a:fld id="{8554D4EC-91E9-487B-A04F-967F129FB425}" type="slidenum">
               <a:rPr lang="zh-CN" altLang="en-US" smtClean="0"/>
               <a:t>‹#›</a:t>
             </a:fld>
@@ -317,7 +317,7 @@
     </p:spTree>
     <p:extLst>
       <p:ext uri="{BB962C8B-B14F-4D97-AF65-F5344CB8AC3E}">
-        <p14:creationId xmlns:p14="http://schemas.microsoft.com/office/powerpoint/2010/main" val="3273360225"/>
+        <p14:creationId xmlns:p14="http://schemas.microsoft.com/office/powerpoint/2010/main" val="3037616423"/>
       </p:ext>
     </p:extLst>
   </p:cSld>
@@ -349,7 +349,7 @@
           <p:cNvPr id="2" name="标题 1">
             <a:extLst>
               <a:ext uri="{FF2B5EF4-FFF2-40B4-BE49-F238E27FC236}">
-                <a16:creationId xmlns:a16="http://schemas.microsoft.com/office/drawing/2014/main" id="{3A1FE959-7BD0-D967-7C0C-1255271C08E1}"/>
+                <a16:creationId xmlns:a16="http://schemas.microsoft.com/office/drawing/2014/main" id="{62219AB9-A2A3-B6E8-63B4-89B83DCC7330}"/>
               </a:ext>
             </a:extLst>
           </p:cNvPr>
@@ -377,7 +377,7 @@
           <p:cNvPr id="3" name="竖排文字占位符 2">
             <a:extLst>
               <a:ext uri="{FF2B5EF4-FFF2-40B4-BE49-F238E27FC236}">
-                <a16:creationId xmlns:a16="http://schemas.microsoft.com/office/drawing/2014/main" id="{3759D7D2-9DE1-F7D5-45B7-84F113B4F650}"/>
+                <a16:creationId xmlns:a16="http://schemas.microsoft.com/office/drawing/2014/main" id="{2411E3EA-41CD-B563-EF4B-B94F3DAECA55}"/>
               </a:ext>
             </a:extLst>
           </p:cNvPr>
@@ -434,7 +434,7 @@
           <p:cNvPr id="4" name="日期占位符 3">
             <a:extLst>
               <a:ext uri="{FF2B5EF4-FFF2-40B4-BE49-F238E27FC236}">
-                <a16:creationId xmlns:a16="http://schemas.microsoft.com/office/drawing/2014/main" id="{59A22A40-524A-0891-717A-0F9FCC71E679}"/>
+                <a16:creationId xmlns:a16="http://schemas.microsoft.com/office/drawing/2014/main" id="{E17E424C-9B3A-F062-983B-5714368AD85F}"/>
               </a:ext>
             </a:extLst>
           </p:cNvPr>
@@ -450,7 +450,7 @@
           <a:bodyPr/>
           <a:lstStyle/>
           <a:p>
-            <a:fld id="{7F3ECD08-94F6-4AD2-B5FB-7340706F3088}" type="datetimeFigureOut">
+            <a:fld id="{C3CC66DB-5DE6-4D36-85C3-0EB5AA32248A}" type="datetimeFigureOut">
               <a:rPr lang="zh-CN" altLang="en-US" smtClean="0"/>
               <a:t>2024/3/10</a:t>
             </a:fld>
@@ -463,7 +463,7 @@
           <p:cNvPr id="5" name="页脚占位符 4">
             <a:extLst>
               <a:ext uri="{FF2B5EF4-FFF2-40B4-BE49-F238E27FC236}">
-                <a16:creationId xmlns:a16="http://schemas.microsoft.com/office/drawing/2014/main" id="{459609DC-F42B-D236-738A-4F2AF51E84F8}"/>
+                <a16:creationId xmlns:a16="http://schemas.microsoft.com/office/drawing/2014/main" id="{D223A58D-1A06-F9C9-67F0-DF7B36B1B531}"/>
               </a:ext>
             </a:extLst>
           </p:cNvPr>
@@ -488,7 +488,7 @@
           <p:cNvPr id="6" name="灯片编号占位符 5">
             <a:extLst>
               <a:ext uri="{FF2B5EF4-FFF2-40B4-BE49-F238E27FC236}">
-                <a16:creationId xmlns:a16="http://schemas.microsoft.com/office/drawing/2014/main" id="{01634019-3A8A-C4D3-CD00-F8074AFC95E0}"/>
+                <a16:creationId xmlns:a16="http://schemas.microsoft.com/office/drawing/2014/main" id="{52A4C8BD-1BBD-5B0D-81DB-65C8FA13FB4E}"/>
               </a:ext>
             </a:extLst>
           </p:cNvPr>
@@ -504,7 +504,7 @@
           <a:bodyPr/>
           <a:lstStyle/>
           <a:p>
-            <a:fld id="{43AC1581-9490-46B0-BB42-BC38E8632258}" type="slidenum">
+            <a:fld id="{8554D4EC-91E9-487B-A04F-967F129FB425}" type="slidenum">
               <a:rPr lang="zh-CN" altLang="en-US" smtClean="0"/>
               <a:t>‹#›</a:t>
             </a:fld>
@@ -515,7 +515,7 @@
     </p:spTree>
     <p:extLst>
       <p:ext uri="{BB962C8B-B14F-4D97-AF65-F5344CB8AC3E}">
-        <p14:creationId xmlns:p14="http://schemas.microsoft.com/office/powerpoint/2010/main" val="284677534"/>
+        <p14:creationId xmlns:p14="http://schemas.microsoft.com/office/powerpoint/2010/main" val="3767300825"/>
       </p:ext>
     </p:extLst>
   </p:cSld>
@@ -547,7 +547,7 @@
           <p:cNvPr id="2" name="竖排标题 1">
             <a:extLst>
               <a:ext uri="{FF2B5EF4-FFF2-40B4-BE49-F238E27FC236}">
-                <a16:creationId xmlns:a16="http://schemas.microsoft.com/office/drawing/2014/main" id="{C9896837-C38B-C252-24CC-535796ABC70A}"/>
+                <a16:creationId xmlns:a16="http://schemas.microsoft.com/office/drawing/2014/main" id="{6DA8D163-3980-A310-0B0B-79D8DEB52F4D}"/>
               </a:ext>
             </a:extLst>
           </p:cNvPr>
@@ -580,7 +580,7 @@
           <p:cNvPr id="3" name="竖排文字占位符 2">
             <a:extLst>
               <a:ext uri="{FF2B5EF4-FFF2-40B4-BE49-F238E27FC236}">
-                <a16:creationId xmlns:a16="http://schemas.microsoft.com/office/drawing/2014/main" id="{126E6D64-8857-F62C-F114-DCEE2B12B0B4}"/>
+                <a16:creationId xmlns:a16="http://schemas.microsoft.com/office/drawing/2014/main" id="{E97925F3-2684-A852-0315-6E2C623E44F4}"/>
               </a:ext>
             </a:extLst>
           </p:cNvPr>
@@ -642,7 +642,7 @@
           <p:cNvPr id="4" name="日期占位符 3">
             <a:extLst>
               <a:ext uri="{FF2B5EF4-FFF2-40B4-BE49-F238E27FC236}">
-                <a16:creationId xmlns:a16="http://schemas.microsoft.com/office/drawing/2014/main" id="{901754B6-6922-D5B4-BCB9-CAED3122AB6B}"/>
+                <a16:creationId xmlns:a16="http://schemas.microsoft.com/office/drawing/2014/main" id="{C8229095-73CD-61A7-914D-4EF1AD9D9071}"/>
               </a:ext>
             </a:extLst>
           </p:cNvPr>
@@ -658,7 +658,7 @@
           <a:bodyPr/>
           <a:lstStyle/>
           <a:p>
-            <a:fld id="{7F3ECD08-94F6-4AD2-B5FB-7340706F3088}" type="datetimeFigureOut">
+            <a:fld id="{C3CC66DB-5DE6-4D36-85C3-0EB5AA32248A}" type="datetimeFigureOut">
               <a:rPr lang="zh-CN" altLang="en-US" smtClean="0"/>
               <a:t>2024/3/10</a:t>
             </a:fld>
@@ -671,7 +671,7 @@
           <p:cNvPr id="5" name="页脚占位符 4">
             <a:extLst>
               <a:ext uri="{FF2B5EF4-FFF2-40B4-BE49-F238E27FC236}">
-                <a16:creationId xmlns:a16="http://schemas.microsoft.com/office/drawing/2014/main" id="{23C5E96E-2495-3693-F9A2-EC85EC92E872}"/>
+                <a16:creationId xmlns:a16="http://schemas.microsoft.com/office/drawing/2014/main" id="{7B667CCD-84E3-4ED1-3537-2DFE71DF4E96}"/>
               </a:ext>
             </a:extLst>
           </p:cNvPr>
@@ -696,7 +696,7 @@
           <p:cNvPr id="6" name="灯片编号占位符 5">
             <a:extLst>
               <a:ext uri="{FF2B5EF4-FFF2-40B4-BE49-F238E27FC236}">
-                <a16:creationId xmlns:a16="http://schemas.microsoft.com/office/drawing/2014/main" id="{47A927B8-7014-356E-9EF6-C5F481E10469}"/>
+                <a16:creationId xmlns:a16="http://schemas.microsoft.com/office/drawing/2014/main" id="{77B2178E-9B46-9E2C-A05A-6BF38A6B96CD}"/>
               </a:ext>
             </a:extLst>
           </p:cNvPr>
@@ -712,7 +712,7 @@
           <a:bodyPr/>
           <a:lstStyle/>
           <a:p>
-            <a:fld id="{43AC1581-9490-46B0-BB42-BC38E8632258}" type="slidenum">
+            <a:fld id="{8554D4EC-91E9-487B-A04F-967F129FB425}" type="slidenum">
               <a:rPr lang="zh-CN" altLang="en-US" smtClean="0"/>
               <a:t>‹#›</a:t>
             </a:fld>
@@ -723,7 +723,7 @@
     </p:spTree>
     <p:extLst>
       <p:ext uri="{BB962C8B-B14F-4D97-AF65-F5344CB8AC3E}">
-        <p14:creationId xmlns:p14="http://schemas.microsoft.com/office/powerpoint/2010/main" val="968632636"/>
+        <p14:creationId xmlns:p14="http://schemas.microsoft.com/office/powerpoint/2010/main" val="3605394835"/>
       </p:ext>
     </p:extLst>
   </p:cSld>
@@ -755,7 +755,7 @@
           <p:cNvPr id="2" name="标题 1">
             <a:extLst>
               <a:ext uri="{FF2B5EF4-FFF2-40B4-BE49-F238E27FC236}">
-                <a16:creationId xmlns:a16="http://schemas.microsoft.com/office/drawing/2014/main" id="{E49766A2-6737-3EE2-63FD-043A44026538}"/>
+                <a16:creationId xmlns:a16="http://schemas.microsoft.com/office/drawing/2014/main" id="{68E67375-D6D6-8A6E-8E3B-88A0B985FB00}"/>
               </a:ext>
             </a:extLst>
           </p:cNvPr>
@@ -783,7 +783,7 @@
           <p:cNvPr id="3" name="内容占位符 2">
             <a:extLst>
               <a:ext uri="{FF2B5EF4-FFF2-40B4-BE49-F238E27FC236}">
-                <a16:creationId xmlns:a16="http://schemas.microsoft.com/office/drawing/2014/main" id="{FD536ADC-8209-D6CB-EE0A-DBA4C08BF8A6}"/>
+                <a16:creationId xmlns:a16="http://schemas.microsoft.com/office/drawing/2014/main" id="{1299C8BE-A401-037F-85F0-77376619E6EC}"/>
               </a:ext>
             </a:extLst>
           </p:cNvPr>
@@ -840,7 +840,7 @@
           <p:cNvPr id="4" name="日期占位符 3">
             <a:extLst>
               <a:ext uri="{FF2B5EF4-FFF2-40B4-BE49-F238E27FC236}">
-                <a16:creationId xmlns:a16="http://schemas.microsoft.com/office/drawing/2014/main" id="{8F6AF91D-A685-82AE-F63F-963F51CAED7C}"/>
+                <a16:creationId xmlns:a16="http://schemas.microsoft.com/office/drawing/2014/main" id="{60894C0C-2900-B0CB-1CFA-BABB3E91AA66}"/>
               </a:ext>
             </a:extLst>
           </p:cNvPr>
@@ -856,7 +856,7 @@
           <a:bodyPr/>
           <a:lstStyle/>
           <a:p>
-            <a:fld id="{7F3ECD08-94F6-4AD2-B5FB-7340706F3088}" type="datetimeFigureOut">
+            <a:fld id="{C3CC66DB-5DE6-4D36-85C3-0EB5AA32248A}" type="datetimeFigureOut">
               <a:rPr lang="zh-CN" altLang="en-US" smtClean="0"/>
               <a:t>2024/3/10</a:t>
             </a:fld>
@@ -869,7 +869,7 @@
           <p:cNvPr id="5" name="页脚占位符 4">
             <a:extLst>
               <a:ext uri="{FF2B5EF4-FFF2-40B4-BE49-F238E27FC236}">
-                <a16:creationId xmlns:a16="http://schemas.microsoft.com/office/drawing/2014/main" id="{E8C193F9-0293-87A8-6667-F1115B864C20}"/>
+                <a16:creationId xmlns:a16="http://schemas.microsoft.com/office/drawing/2014/main" id="{93B37FDC-FCE0-11C5-0409-DC38DEF37E02}"/>
               </a:ext>
             </a:extLst>
           </p:cNvPr>
@@ -894,7 +894,7 @@
           <p:cNvPr id="6" name="灯片编号占位符 5">
             <a:extLst>
               <a:ext uri="{FF2B5EF4-FFF2-40B4-BE49-F238E27FC236}">
-                <a16:creationId xmlns:a16="http://schemas.microsoft.com/office/drawing/2014/main" id="{F1AB106B-7A04-6D13-2D05-3C585D1D61E8}"/>
+                <a16:creationId xmlns:a16="http://schemas.microsoft.com/office/drawing/2014/main" id="{5BB66E0E-60BE-8803-FBB3-7723F4E0A8D0}"/>
               </a:ext>
             </a:extLst>
           </p:cNvPr>
@@ -910,7 +910,7 @@
           <a:bodyPr/>
           <a:lstStyle/>
           <a:p>
-            <a:fld id="{43AC1581-9490-46B0-BB42-BC38E8632258}" type="slidenum">
+            <a:fld id="{8554D4EC-91E9-487B-A04F-967F129FB425}" type="slidenum">
               <a:rPr lang="zh-CN" altLang="en-US" smtClean="0"/>
               <a:t>‹#›</a:t>
             </a:fld>
@@ -921,7 +921,7 @@
     </p:spTree>
     <p:extLst>
       <p:ext uri="{BB962C8B-B14F-4D97-AF65-F5344CB8AC3E}">
-        <p14:creationId xmlns:p14="http://schemas.microsoft.com/office/powerpoint/2010/main" val="143387986"/>
+        <p14:creationId xmlns:p14="http://schemas.microsoft.com/office/powerpoint/2010/main" val="789607264"/>
       </p:ext>
     </p:extLst>
   </p:cSld>
@@ -953,7 +953,7 @@
           <p:cNvPr id="2" name="标题 1">
             <a:extLst>
               <a:ext uri="{FF2B5EF4-FFF2-40B4-BE49-F238E27FC236}">
-                <a16:creationId xmlns:a16="http://schemas.microsoft.com/office/drawing/2014/main" id="{E8C2D609-A330-955A-1CAC-EC419DDE92C5}"/>
+                <a16:creationId xmlns:a16="http://schemas.microsoft.com/office/drawing/2014/main" id="{367FB775-B4F5-288D-451B-3C983732B600}"/>
               </a:ext>
             </a:extLst>
           </p:cNvPr>
@@ -990,7 +990,7 @@
           <p:cNvPr id="3" name="文本占位符 2">
             <a:extLst>
               <a:ext uri="{FF2B5EF4-FFF2-40B4-BE49-F238E27FC236}">
-                <a16:creationId xmlns:a16="http://schemas.microsoft.com/office/drawing/2014/main" id="{13AC033F-F2A6-AB18-8CF7-7855A6343BD2}"/>
+                <a16:creationId xmlns:a16="http://schemas.microsoft.com/office/drawing/2014/main" id="{7B75E8FD-72E6-A78E-2526-7509E635244E}"/>
               </a:ext>
             </a:extLst>
           </p:cNvPr>
@@ -1115,7 +1115,7 @@
           <p:cNvPr id="4" name="日期占位符 3">
             <a:extLst>
               <a:ext uri="{FF2B5EF4-FFF2-40B4-BE49-F238E27FC236}">
-                <a16:creationId xmlns:a16="http://schemas.microsoft.com/office/drawing/2014/main" id="{0AD5EF24-7CAB-945C-2A41-58A53428E00C}"/>
+                <a16:creationId xmlns:a16="http://schemas.microsoft.com/office/drawing/2014/main" id="{EF069FA2-8A5A-0E5B-5BA6-13A222236591}"/>
               </a:ext>
             </a:extLst>
           </p:cNvPr>
@@ -1131,7 +1131,7 @@
           <a:bodyPr/>
           <a:lstStyle/>
           <a:p>
-            <a:fld id="{7F3ECD08-94F6-4AD2-B5FB-7340706F3088}" type="datetimeFigureOut">
+            <a:fld id="{C3CC66DB-5DE6-4D36-85C3-0EB5AA32248A}" type="datetimeFigureOut">
               <a:rPr lang="zh-CN" altLang="en-US" smtClean="0"/>
               <a:t>2024/3/10</a:t>
             </a:fld>
@@ -1144,7 +1144,7 @@
           <p:cNvPr id="5" name="页脚占位符 4">
             <a:extLst>
               <a:ext uri="{FF2B5EF4-FFF2-40B4-BE49-F238E27FC236}">
-                <a16:creationId xmlns:a16="http://schemas.microsoft.com/office/drawing/2014/main" id="{BF6D6B73-70AB-4E60-F73E-D211A92D9A17}"/>
+                <a16:creationId xmlns:a16="http://schemas.microsoft.com/office/drawing/2014/main" id="{3D62AD37-912B-1FC4-7C9D-16A20822FCBA}"/>
               </a:ext>
             </a:extLst>
           </p:cNvPr>
@@ -1169,7 +1169,7 @@
           <p:cNvPr id="6" name="灯片编号占位符 5">
             <a:extLst>
               <a:ext uri="{FF2B5EF4-FFF2-40B4-BE49-F238E27FC236}">
-                <a16:creationId xmlns:a16="http://schemas.microsoft.com/office/drawing/2014/main" id="{97B4CF50-B62E-EA89-8446-0E33A5CE1B1E}"/>
+                <a16:creationId xmlns:a16="http://schemas.microsoft.com/office/drawing/2014/main" id="{02CCDDEB-5C8D-EE21-BB64-51EF0766B45D}"/>
               </a:ext>
             </a:extLst>
           </p:cNvPr>
@@ -1185,7 +1185,7 @@
           <a:bodyPr/>
           <a:lstStyle/>
           <a:p>
-            <a:fld id="{43AC1581-9490-46B0-BB42-BC38E8632258}" type="slidenum">
+            <a:fld id="{8554D4EC-91E9-487B-A04F-967F129FB425}" type="slidenum">
               <a:rPr lang="zh-CN" altLang="en-US" smtClean="0"/>
               <a:t>‹#›</a:t>
             </a:fld>
@@ -1196,7 +1196,7 @@
     </p:spTree>
     <p:extLst>
       <p:ext uri="{BB962C8B-B14F-4D97-AF65-F5344CB8AC3E}">
-        <p14:creationId xmlns:p14="http://schemas.microsoft.com/office/powerpoint/2010/main" val="319190899"/>
+        <p14:creationId xmlns:p14="http://schemas.microsoft.com/office/powerpoint/2010/main" val="2864409099"/>
       </p:ext>
     </p:extLst>
   </p:cSld>
@@ -1228,7 +1228,7 @@
           <p:cNvPr id="2" name="标题 1">
             <a:extLst>
               <a:ext uri="{FF2B5EF4-FFF2-40B4-BE49-F238E27FC236}">
-                <a16:creationId xmlns:a16="http://schemas.microsoft.com/office/drawing/2014/main" id="{8AF111B0-C5B0-942A-2844-478A66957E01}"/>
+                <a16:creationId xmlns:a16="http://schemas.microsoft.com/office/drawing/2014/main" id="{65048C60-A665-C632-3789-61A9F1444F9D}"/>
               </a:ext>
             </a:extLst>
           </p:cNvPr>
@@ -1256,7 +1256,7 @@
           <p:cNvPr id="3" name="内容占位符 2">
             <a:extLst>
               <a:ext uri="{FF2B5EF4-FFF2-40B4-BE49-F238E27FC236}">
-                <a16:creationId xmlns:a16="http://schemas.microsoft.com/office/drawing/2014/main" id="{D29D5E10-00D1-2F1B-8338-5FB467C02AEF}"/>
+                <a16:creationId xmlns:a16="http://schemas.microsoft.com/office/drawing/2014/main" id="{D93D2456-5173-6311-2823-0C81E0DA4048}"/>
               </a:ext>
             </a:extLst>
           </p:cNvPr>
@@ -1318,7 +1318,7 @@
           <p:cNvPr id="4" name="内容占位符 3">
             <a:extLst>
               <a:ext uri="{FF2B5EF4-FFF2-40B4-BE49-F238E27FC236}">
-                <a16:creationId xmlns:a16="http://schemas.microsoft.com/office/drawing/2014/main" id="{CE41AD4B-177C-3F30-92A7-FD2EC2D9A7E7}"/>
+                <a16:creationId xmlns:a16="http://schemas.microsoft.com/office/drawing/2014/main" id="{AD3F1359-3DF9-BD32-EADE-5B686A23CCB9}"/>
               </a:ext>
             </a:extLst>
           </p:cNvPr>
@@ -1380,7 +1380,7 @@
           <p:cNvPr id="5" name="日期占位符 4">
             <a:extLst>
               <a:ext uri="{FF2B5EF4-FFF2-40B4-BE49-F238E27FC236}">
-                <a16:creationId xmlns:a16="http://schemas.microsoft.com/office/drawing/2014/main" id="{E769E11E-91BE-5542-8D7A-3064A983BCEC}"/>
+                <a16:creationId xmlns:a16="http://schemas.microsoft.com/office/drawing/2014/main" id="{4812C894-29DB-331D-EFAE-2108F0C0C5A7}"/>
               </a:ext>
             </a:extLst>
           </p:cNvPr>
@@ -1396,7 +1396,7 @@
           <a:bodyPr/>
           <a:lstStyle/>
           <a:p>
-            <a:fld id="{7F3ECD08-94F6-4AD2-B5FB-7340706F3088}" type="datetimeFigureOut">
+            <a:fld id="{C3CC66DB-5DE6-4D36-85C3-0EB5AA32248A}" type="datetimeFigureOut">
               <a:rPr lang="zh-CN" altLang="en-US" smtClean="0"/>
               <a:t>2024/3/10</a:t>
             </a:fld>
@@ -1409,7 +1409,7 @@
           <p:cNvPr id="6" name="页脚占位符 5">
             <a:extLst>
               <a:ext uri="{FF2B5EF4-FFF2-40B4-BE49-F238E27FC236}">
-                <a16:creationId xmlns:a16="http://schemas.microsoft.com/office/drawing/2014/main" id="{6C8DDED5-748F-2514-DD71-C8CB5CD08A0C}"/>
+                <a16:creationId xmlns:a16="http://schemas.microsoft.com/office/drawing/2014/main" id="{38F682AA-3844-8AEF-42CB-2DEE7B9F0153}"/>
               </a:ext>
             </a:extLst>
           </p:cNvPr>
@@ -1434,7 +1434,7 @@
           <p:cNvPr id="7" name="灯片编号占位符 6">
             <a:extLst>
               <a:ext uri="{FF2B5EF4-FFF2-40B4-BE49-F238E27FC236}">
-                <a16:creationId xmlns:a16="http://schemas.microsoft.com/office/drawing/2014/main" id="{F5BF5FC3-A5B1-7841-6DB3-22627E1652C8}"/>
+                <a16:creationId xmlns:a16="http://schemas.microsoft.com/office/drawing/2014/main" id="{9D1C9C4B-4521-5569-8E53-2D28EF499F7F}"/>
               </a:ext>
             </a:extLst>
           </p:cNvPr>
@@ -1450,7 +1450,7 @@
           <a:bodyPr/>
           <a:lstStyle/>
           <a:p>
-            <a:fld id="{43AC1581-9490-46B0-BB42-BC38E8632258}" type="slidenum">
+            <a:fld id="{8554D4EC-91E9-487B-A04F-967F129FB425}" type="slidenum">
               <a:rPr lang="zh-CN" altLang="en-US" smtClean="0"/>
               <a:t>‹#›</a:t>
             </a:fld>
@@ -1461,7 +1461,7 @@
     </p:spTree>
     <p:extLst>
       <p:ext uri="{BB962C8B-B14F-4D97-AF65-F5344CB8AC3E}">
-        <p14:creationId xmlns:p14="http://schemas.microsoft.com/office/powerpoint/2010/main" val="3274736755"/>
+        <p14:creationId xmlns:p14="http://schemas.microsoft.com/office/powerpoint/2010/main" val="1773346285"/>
       </p:ext>
     </p:extLst>
   </p:cSld>
@@ -1493,7 +1493,7 @@
           <p:cNvPr id="2" name="标题 1">
             <a:extLst>
               <a:ext uri="{FF2B5EF4-FFF2-40B4-BE49-F238E27FC236}">
-                <a16:creationId xmlns:a16="http://schemas.microsoft.com/office/drawing/2014/main" id="{D26E5A11-0123-8F24-B387-0A8910F59E81}"/>
+                <a16:creationId xmlns:a16="http://schemas.microsoft.com/office/drawing/2014/main" id="{44045874-4EBD-C5C6-AC54-7175A7ADE12B}"/>
               </a:ext>
             </a:extLst>
           </p:cNvPr>
@@ -1526,7 +1526,7 @@
           <p:cNvPr id="3" name="文本占位符 2">
             <a:extLst>
               <a:ext uri="{FF2B5EF4-FFF2-40B4-BE49-F238E27FC236}">
-                <a16:creationId xmlns:a16="http://schemas.microsoft.com/office/drawing/2014/main" id="{DA47B90A-F4CF-C4AD-43E2-641F4380CC2C}"/>
+                <a16:creationId xmlns:a16="http://schemas.microsoft.com/office/drawing/2014/main" id="{57D7E931-3D41-60FB-0642-295D208BB6D3}"/>
               </a:ext>
             </a:extLst>
           </p:cNvPr>
@@ -1597,7 +1597,7 @@
           <p:cNvPr id="4" name="内容占位符 3">
             <a:extLst>
               <a:ext uri="{FF2B5EF4-FFF2-40B4-BE49-F238E27FC236}">
-                <a16:creationId xmlns:a16="http://schemas.microsoft.com/office/drawing/2014/main" id="{04F587D7-62E6-2091-0402-A6695DCB3136}"/>
+                <a16:creationId xmlns:a16="http://schemas.microsoft.com/office/drawing/2014/main" id="{C8C3D602-AFD3-C34D-EF07-DCDD21FDB4FF}"/>
               </a:ext>
             </a:extLst>
           </p:cNvPr>
@@ -1659,7 +1659,7 @@
           <p:cNvPr id="5" name="文本占位符 4">
             <a:extLst>
               <a:ext uri="{FF2B5EF4-FFF2-40B4-BE49-F238E27FC236}">
-                <a16:creationId xmlns:a16="http://schemas.microsoft.com/office/drawing/2014/main" id="{EBE07055-5D26-CAC1-64DE-5F4F9D89BF36}"/>
+                <a16:creationId xmlns:a16="http://schemas.microsoft.com/office/drawing/2014/main" id="{DD73973A-CFBC-35B3-233F-EDBA185FAE75}"/>
               </a:ext>
             </a:extLst>
           </p:cNvPr>
@@ -1730,7 +1730,7 @@
           <p:cNvPr id="6" name="内容占位符 5">
             <a:extLst>
               <a:ext uri="{FF2B5EF4-FFF2-40B4-BE49-F238E27FC236}">
-                <a16:creationId xmlns:a16="http://schemas.microsoft.com/office/drawing/2014/main" id="{46EE420B-FB39-E596-A795-67D5543C34A6}"/>
+                <a16:creationId xmlns:a16="http://schemas.microsoft.com/office/drawing/2014/main" id="{5CF9D113-42C4-F935-21A8-5A939B1AE8BF}"/>
               </a:ext>
             </a:extLst>
           </p:cNvPr>
@@ -1792,7 +1792,7 @@
           <p:cNvPr id="7" name="日期占位符 6">
             <a:extLst>
               <a:ext uri="{FF2B5EF4-FFF2-40B4-BE49-F238E27FC236}">
-                <a16:creationId xmlns:a16="http://schemas.microsoft.com/office/drawing/2014/main" id="{212DA756-C65B-A86D-2419-1964588A5795}"/>
+                <a16:creationId xmlns:a16="http://schemas.microsoft.com/office/drawing/2014/main" id="{77258A5C-56CA-F08D-1631-564EF308FF1A}"/>
               </a:ext>
             </a:extLst>
           </p:cNvPr>
@@ -1808,7 +1808,7 @@
           <a:bodyPr/>
           <a:lstStyle/>
           <a:p>
-            <a:fld id="{7F3ECD08-94F6-4AD2-B5FB-7340706F3088}" type="datetimeFigureOut">
+            <a:fld id="{C3CC66DB-5DE6-4D36-85C3-0EB5AA32248A}" type="datetimeFigureOut">
               <a:rPr lang="zh-CN" altLang="en-US" smtClean="0"/>
               <a:t>2024/3/10</a:t>
             </a:fld>
@@ -1821,7 +1821,7 @@
           <p:cNvPr id="8" name="页脚占位符 7">
             <a:extLst>
               <a:ext uri="{FF2B5EF4-FFF2-40B4-BE49-F238E27FC236}">
-                <a16:creationId xmlns:a16="http://schemas.microsoft.com/office/drawing/2014/main" id="{70524FB4-9A66-224A-B040-A9B96034F922}"/>
+                <a16:creationId xmlns:a16="http://schemas.microsoft.com/office/drawing/2014/main" id="{78388E88-8F0E-2EFE-3C5B-27649DBE03EE}"/>
               </a:ext>
             </a:extLst>
           </p:cNvPr>
@@ -1846,7 +1846,7 @@
           <p:cNvPr id="9" name="灯片编号占位符 8">
             <a:extLst>
               <a:ext uri="{FF2B5EF4-FFF2-40B4-BE49-F238E27FC236}">
-                <a16:creationId xmlns:a16="http://schemas.microsoft.com/office/drawing/2014/main" id="{125CB1DC-FCB5-576E-3563-81803CC18FD6}"/>
+                <a16:creationId xmlns:a16="http://schemas.microsoft.com/office/drawing/2014/main" id="{7662279F-3D46-C202-B0A3-C36DABEF466C}"/>
               </a:ext>
             </a:extLst>
           </p:cNvPr>
@@ -1862,7 +1862,7 @@
           <a:bodyPr/>
           <a:lstStyle/>
           <a:p>
-            <a:fld id="{43AC1581-9490-46B0-BB42-BC38E8632258}" type="slidenum">
+            <a:fld id="{8554D4EC-91E9-487B-A04F-967F129FB425}" type="slidenum">
               <a:rPr lang="zh-CN" altLang="en-US" smtClean="0"/>
               <a:t>‹#›</a:t>
             </a:fld>
@@ -1873,7 +1873,7 @@
     </p:spTree>
     <p:extLst>
       <p:ext uri="{BB962C8B-B14F-4D97-AF65-F5344CB8AC3E}">
-        <p14:creationId xmlns:p14="http://schemas.microsoft.com/office/powerpoint/2010/main" val="2094068636"/>
+        <p14:creationId xmlns:p14="http://schemas.microsoft.com/office/powerpoint/2010/main" val="4289940591"/>
       </p:ext>
     </p:extLst>
   </p:cSld>
@@ -1905,7 +1905,7 @@
           <p:cNvPr id="2" name="标题 1">
             <a:extLst>
               <a:ext uri="{FF2B5EF4-FFF2-40B4-BE49-F238E27FC236}">
-                <a16:creationId xmlns:a16="http://schemas.microsoft.com/office/drawing/2014/main" id="{BDBB3FB9-E55D-B272-AE80-01AEB730D48B}"/>
+                <a16:creationId xmlns:a16="http://schemas.microsoft.com/office/drawing/2014/main" id="{F26B74FA-D910-1507-AD53-E7637D6495BD}"/>
               </a:ext>
             </a:extLst>
           </p:cNvPr>
@@ -1933,7 +1933,7 @@
           <p:cNvPr id="3" name="日期占位符 2">
             <a:extLst>
               <a:ext uri="{FF2B5EF4-FFF2-40B4-BE49-F238E27FC236}">
-                <a16:creationId xmlns:a16="http://schemas.microsoft.com/office/drawing/2014/main" id="{4292F069-7CBF-2DD1-C9C2-F87E2556119B}"/>
+                <a16:creationId xmlns:a16="http://schemas.microsoft.com/office/drawing/2014/main" id="{5E1F925D-8665-445B-F139-B973EE5478F9}"/>
               </a:ext>
             </a:extLst>
           </p:cNvPr>
@@ -1949,7 +1949,7 @@
           <a:bodyPr/>
           <a:lstStyle/>
           <a:p>
-            <a:fld id="{7F3ECD08-94F6-4AD2-B5FB-7340706F3088}" type="datetimeFigureOut">
+            <a:fld id="{C3CC66DB-5DE6-4D36-85C3-0EB5AA32248A}" type="datetimeFigureOut">
               <a:rPr lang="zh-CN" altLang="en-US" smtClean="0"/>
               <a:t>2024/3/10</a:t>
             </a:fld>
@@ -1962,7 +1962,7 @@
           <p:cNvPr id="4" name="页脚占位符 3">
             <a:extLst>
               <a:ext uri="{FF2B5EF4-FFF2-40B4-BE49-F238E27FC236}">
-                <a16:creationId xmlns:a16="http://schemas.microsoft.com/office/drawing/2014/main" id="{74B6834C-ECF0-5193-6C21-C48284FB160D}"/>
+                <a16:creationId xmlns:a16="http://schemas.microsoft.com/office/drawing/2014/main" id="{CD9E7BEC-6AB4-A55A-7860-85563640B209}"/>
               </a:ext>
             </a:extLst>
           </p:cNvPr>
@@ -1987,7 +1987,7 @@
           <p:cNvPr id="5" name="灯片编号占位符 4">
             <a:extLst>
               <a:ext uri="{FF2B5EF4-FFF2-40B4-BE49-F238E27FC236}">
-                <a16:creationId xmlns:a16="http://schemas.microsoft.com/office/drawing/2014/main" id="{51397663-44CA-2F59-B1A1-29587BEA299D}"/>
+                <a16:creationId xmlns:a16="http://schemas.microsoft.com/office/drawing/2014/main" id="{8323B1DD-445F-2132-B3F9-77600B29D3E7}"/>
               </a:ext>
             </a:extLst>
           </p:cNvPr>
@@ -2003,7 +2003,7 @@
           <a:bodyPr/>
           <a:lstStyle/>
           <a:p>
-            <a:fld id="{43AC1581-9490-46B0-BB42-BC38E8632258}" type="slidenum">
+            <a:fld id="{8554D4EC-91E9-487B-A04F-967F129FB425}" type="slidenum">
               <a:rPr lang="zh-CN" altLang="en-US" smtClean="0"/>
               <a:t>‹#›</a:t>
             </a:fld>
@@ -2014,7 +2014,7 @@
     </p:spTree>
     <p:extLst>
       <p:ext uri="{BB962C8B-B14F-4D97-AF65-F5344CB8AC3E}">
-        <p14:creationId xmlns:p14="http://schemas.microsoft.com/office/powerpoint/2010/main" val="104606954"/>
+        <p14:creationId xmlns:p14="http://schemas.microsoft.com/office/powerpoint/2010/main" val="746595202"/>
       </p:ext>
     </p:extLst>
   </p:cSld>
@@ -2046,7 +2046,7 @@
           <p:cNvPr id="2" name="日期占位符 1">
             <a:extLst>
               <a:ext uri="{FF2B5EF4-FFF2-40B4-BE49-F238E27FC236}">
-                <a16:creationId xmlns:a16="http://schemas.microsoft.com/office/drawing/2014/main" id="{C0589D09-AB17-C967-32D7-F19B626AB11C}"/>
+                <a16:creationId xmlns:a16="http://schemas.microsoft.com/office/drawing/2014/main" id="{2FE1CD74-3914-0707-058B-C97C20486644}"/>
               </a:ext>
             </a:extLst>
           </p:cNvPr>
@@ -2062,7 +2062,7 @@
           <a:bodyPr/>
           <a:lstStyle/>
           <a:p>
-            <a:fld id="{7F3ECD08-94F6-4AD2-B5FB-7340706F3088}" type="datetimeFigureOut">
+            <a:fld id="{C3CC66DB-5DE6-4D36-85C3-0EB5AA32248A}" type="datetimeFigureOut">
               <a:rPr lang="zh-CN" altLang="en-US" smtClean="0"/>
               <a:t>2024/3/10</a:t>
             </a:fld>
@@ -2075,7 +2075,7 @@
           <p:cNvPr id="3" name="页脚占位符 2">
             <a:extLst>
               <a:ext uri="{FF2B5EF4-FFF2-40B4-BE49-F238E27FC236}">
-                <a16:creationId xmlns:a16="http://schemas.microsoft.com/office/drawing/2014/main" id="{CAB80742-C5E6-64D7-366A-CEE67AD3D63A}"/>
+                <a16:creationId xmlns:a16="http://schemas.microsoft.com/office/drawing/2014/main" id="{E56CA515-4D99-A420-E95D-A388B21037B9}"/>
               </a:ext>
             </a:extLst>
           </p:cNvPr>
@@ -2100,7 +2100,7 @@
           <p:cNvPr id="4" name="灯片编号占位符 3">
             <a:extLst>
               <a:ext uri="{FF2B5EF4-FFF2-40B4-BE49-F238E27FC236}">
-                <a16:creationId xmlns:a16="http://schemas.microsoft.com/office/drawing/2014/main" id="{3045BEB1-15B7-AC13-E146-E9DB5392452A}"/>
+                <a16:creationId xmlns:a16="http://schemas.microsoft.com/office/drawing/2014/main" id="{9AFF4ABF-4331-E54F-4BA2-B65AAD239C9F}"/>
               </a:ext>
             </a:extLst>
           </p:cNvPr>
@@ -2116,7 +2116,7 @@
           <a:bodyPr/>
           <a:lstStyle/>
           <a:p>
-            <a:fld id="{43AC1581-9490-46B0-BB42-BC38E8632258}" type="slidenum">
+            <a:fld id="{8554D4EC-91E9-487B-A04F-967F129FB425}" type="slidenum">
               <a:rPr lang="zh-CN" altLang="en-US" smtClean="0"/>
               <a:t>‹#›</a:t>
             </a:fld>
@@ -2127,7 +2127,7 @@
     </p:spTree>
     <p:extLst>
       <p:ext uri="{BB962C8B-B14F-4D97-AF65-F5344CB8AC3E}">
-        <p14:creationId xmlns:p14="http://schemas.microsoft.com/office/powerpoint/2010/main" val="35758053"/>
+        <p14:creationId xmlns:p14="http://schemas.microsoft.com/office/powerpoint/2010/main" val="1156694919"/>
       </p:ext>
     </p:extLst>
   </p:cSld>
@@ -2159,7 +2159,7 @@
           <p:cNvPr id="2" name="标题 1">
             <a:extLst>
               <a:ext uri="{FF2B5EF4-FFF2-40B4-BE49-F238E27FC236}">
-                <a16:creationId xmlns:a16="http://schemas.microsoft.com/office/drawing/2014/main" id="{CA4FE4D0-3221-F6CB-D722-4BDB59119BD2}"/>
+                <a16:creationId xmlns:a16="http://schemas.microsoft.com/office/drawing/2014/main" id="{8E9BA421-736F-5191-F9CE-817339A66538}"/>
               </a:ext>
             </a:extLst>
           </p:cNvPr>
@@ -2196,7 +2196,7 @@
           <p:cNvPr id="3" name="内容占位符 2">
             <a:extLst>
               <a:ext uri="{FF2B5EF4-FFF2-40B4-BE49-F238E27FC236}">
-                <a16:creationId xmlns:a16="http://schemas.microsoft.com/office/drawing/2014/main" id="{08C55B07-5C57-0F34-0A43-A5970021B626}"/>
+                <a16:creationId xmlns:a16="http://schemas.microsoft.com/office/drawing/2014/main" id="{B336AC9A-1053-BD3E-7931-C304B6884E1E}"/>
               </a:ext>
             </a:extLst>
           </p:cNvPr>
@@ -2286,7 +2286,7 @@
           <p:cNvPr id="4" name="文本占位符 3">
             <a:extLst>
               <a:ext uri="{FF2B5EF4-FFF2-40B4-BE49-F238E27FC236}">
-                <a16:creationId xmlns:a16="http://schemas.microsoft.com/office/drawing/2014/main" id="{3C50E0FD-DFA5-BF46-8AC0-0B2F48345325}"/>
+                <a16:creationId xmlns:a16="http://schemas.microsoft.com/office/drawing/2014/main" id="{1A68EB4F-8F1F-B373-4A83-5B3341EE06F5}"/>
               </a:ext>
             </a:extLst>
           </p:cNvPr>
@@ -2357,7 +2357,7 @@
           <p:cNvPr id="5" name="日期占位符 4">
             <a:extLst>
               <a:ext uri="{FF2B5EF4-FFF2-40B4-BE49-F238E27FC236}">
-                <a16:creationId xmlns:a16="http://schemas.microsoft.com/office/drawing/2014/main" id="{7DF4E7DC-72E0-30CD-7EA8-5D2F104A40AA}"/>
+                <a16:creationId xmlns:a16="http://schemas.microsoft.com/office/drawing/2014/main" id="{B03AAA65-E880-27EE-5959-C51D5872BF8A}"/>
               </a:ext>
             </a:extLst>
           </p:cNvPr>
@@ -2373,7 +2373,7 @@
           <a:bodyPr/>
           <a:lstStyle/>
           <a:p>
-            <a:fld id="{7F3ECD08-94F6-4AD2-B5FB-7340706F3088}" type="datetimeFigureOut">
+            <a:fld id="{C3CC66DB-5DE6-4D36-85C3-0EB5AA32248A}" type="datetimeFigureOut">
               <a:rPr lang="zh-CN" altLang="en-US" smtClean="0"/>
               <a:t>2024/3/10</a:t>
             </a:fld>
@@ -2386,7 +2386,7 @@
           <p:cNvPr id="6" name="页脚占位符 5">
             <a:extLst>
               <a:ext uri="{FF2B5EF4-FFF2-40B4-BE49-F238E27FC236}">
-                <a16:creationId xmlns:a16="http://schemas.microsoft.com/office/drawing/2014/main" id="{6E13DC6E-B9EC-87A2-B5EA-773576B6D8B3}"/>
+                <a16:creationId xmlns:a16="http://schemas.microsoft.com/office/drawing/2014/main" id="{CBC6378A-2A15-509A-D75E-C84E6ED6EAC6}"/>
               </a:ext>
             </a:extLst>
           </p:cNvPr>
@@ -2411,7 +2411,7 @@
           <p:cNvPr id="7" name="灯片编号占位符 6">
             <a:extLst>
               <a:ext uri="{FF2B5EF4-FFF2-40B4-BE49-F238E27FC236}">
-                <a16:creationId xmlns:a16="http://schemas.microsoft.com/office/drawing/2014/main" id="{859837BB-7DA4-DA4E-9936-60FD05C8D422}"/>
+                <a16:creationId xmlns:a16="http://schemas.microsoft.com/office/drawing/2014/main" id="{3E0049A1-13A9-3A3E-F66A-A47AEF9482BF}"/>
               </a:ext>
             </a:extLst>
           </p:cNvPr>
@@ -2427,7 +2427,7 @@
           <a:bodyPr/>
           <a:lstStyle/>
           <a:p>
-            <a:fld id="{43AC1581-9490-46B0-BB42-BC38E8632258}" type="slidenum">
+            <a:fld id="{8554D4EC-91E9-487B-A04F-967F129FB425}" type="slidenum">
               <a:rPr lang="zh-CN" altLang="en-US" smtClean="0"/>
               <a:t>‹#›</a:t>
             </a:fld>
@@ -2438,7 +2438,7 @@
     </p:spTree>
     <p:extLst>
       <p:ext uri="{BB962C8B-B14F-4D97-AF65-F5344CB8AC3E}">
-        <p14:creationId xmlns:p14="http://schemas.microsoft.com/office/powerpoint/2010/main" val="3024331684"/>
+        <p14:creationId xmlns:p14="http://schemas.microsoft.com/office/powerpoint/2010/main" val="62474293"/>
       </p:ext>
     </p:extLst>
   </p:cSld>
@@ -2470,7 +2470,7 @@
           <p:cNvPr id="2" name="标题 1">
             <a:extLst>
               <a:ext uri="{FF2B5EF4-FFF2-40B4-BE49-F238E27FC236}">
-                <a16:creationId xmlns:a16="http://schemas.microsoft.com/office/drawing/2014/main" id="{F8A0E8E9-FE93-5B85-37C2-42582705077E}"/>
+                <a16:creationId xmlns:a16="http://schemas.microsoft.com/office/drawing/2014/main" id="{605A07B7-A8CC-6EF3-3707-6A2AEA40BB17}"/>
               </a:ext>
             </a:extLst>
           </p:cNvPr>
@@ -2507,7 +2507,7 @@
           <p:cNvPr id="3" name="图片占位符 2">
             <a:extLst>
               <a:ext uri="{FF2B5EF4-FFF2-40B4-BE49-F238E27FC236}">
-                <a16:creationId xmlns:a16="http://schemas.microsoft.com/office/drawing/2014/main" id="{D3484750-EDD3-7C39-DE08-B9DEAA22A7DE}"/>
+                <a16:creationId xmlns:a16="http://schemas.microsoft.com/office/drawing/2014/main" id="{CA3BB515-E160-105F-E03B-5C460D0D2153}"/>
               </a:ext>
             </a:extLst>
           </p:cNvPr>
@@ -2574,7 +2574,7 @@
           <p:cNvPr id="4" name="文本占位符 3">
             <a:extLst>
               <a:ext uri="{FF2B5EF4-FFF2-40B4-BE49-F238E27FC236}">
-                <a16:creationId xmlns:a16="http://schemas.microsoft.com/office/drawing/2014/main" id="{5BB654D7-4D77-FE2D-EF02-F7E20EC7B654}"/>
+                <a16:creationId xmlns:a16="http://schemas.microsoft.com/office/drawing/2014/main" id="{3EA2AC2D-CF72-3002-12AA-4D46973F3C28}"/>
               </a:ext>
             </a:extLst>
           </p:cNvPr>
@@ -2645,7 +2645,7 @@
           <p:cNvPr id="5" name="日期占位符 4">
             <a:extLst>
               <a:ext uri="{FF2B5EF4-FFF2-40B4-BE49-F238E27FC236}">
-                <a16:creationId xmlns:a16="http://schemas.microsoft.com/office/drawing/2014/main" id="{3B8E2EEA-8AF8-6F0D-CBC6-39ABC6E92A65}"/>
+                <a16:creationId xmlns:a16="http://schemas.microsoft.com/office/drawing/2014/main" id="{833B829D-65CC-01B7-E8C6-6EA236FC7402}"/>
               </a:ext>
             </a:extLst>
           </p:cNvPr>
@@ -2661,7 +2661,7 @@
           <a:bodyPr/>
           <a:lstStyle/>
           <a:p>
-            <a:fld id="{7F3ECD08-94F6-4AD2-B5FB-7340706F3088}" type="datetimeFigureOut">
+            <a:fld id="{C3CC66DB-5DE6-4D36-85C3-0EB5AA32248A}" type="datetimeFigureOut">
               <a:rPr lang="zh-CN" altLang="en-US" smtClean="0"/>
               <a:t>2024/3/10</a:t>
             </a:fld>
@@ -2674,7 +2674,7 @@
           <p:cNvPr id="6" name="页脚占位符 5">
             <a:extLst>
               <a:ext uri="{FF2B5EF4-FFF2-40B4-BE49-F238E27FC236}">
-                <a16:creationId xmlns:a16="http://schemas.microsoft.com/office/drawing/2014/main" id="{ACFEAE83-4849-9F04-9E81-3F410B917C47}"/>
+                <a16:creationId xmlns:a16="http://schemas.microsoft.com/office/drawing/2014/main" id="{ABDD74F0-FFA5-18CD-865E-7F5BD64CB37D}"/>
               </a:ext>
             </a:extLst>
           </p:cNvPr>
@@ -2699,7 +2699,7 @@
           <p:cNvPr id="7" name="灯片编号占位符 6">
             <a:extLst>
               <a:ext uri="{FF2B5EF4-FFF2-40B4-BE49-F238E27FC236}">
-                <a16:creationId xmlns:a16="http://schemas.microsoft.com/office/drawing/2014/main" id="{FF686E62-C3AE-D457-1B32-BA4BE93CC9DD}"/>
+                <a16:creationId xmlns:a16="http://schemas.microsoft.com/office/drawing/2014/main" id="{475850E5-0A29-6D85-968E-A8F6AE029D2D}"/>
               </a:ext>
             </a:extLst>
           </p:cNvPr>
@@ -2715,7 +2715,7 @@
           <a:bodyPr/>
           <a:lstStyle/>
           <a:p>
-            <a:fld id="{43AC1581-9490-46B0-BB42-BC38E8632258}" type="slidenum">
+            <a:fld id="{8554D4EC-91E9-487B-A04F-967F129FB425}" type="slidenum">
               <a:rPr lang="zh-CN" altLang="en-US" smtClean="0"/>
               <a:t>‹#›</a:t>
             </a:fld>
@@ -2726,7 +2726,7 @@
     </p:spTree>
     <p:extLst>
       <p:ext uri="{BB962C8B-B14F-4D97-AF65-F5344CB8AC3E}">
-        <p14:creationId xmlns:p14="http://schemas.microsoft.com/office/powerpoint/2010/main" val="440307384"/>
+        <p14:creationId xmlns:p14="http://schemas.microsoft.com/office/powerpoint/2010/main" val="3610904783"/>
       </p:ext>
     </p:extLst>
   </p:cSld>
@@ -2763,7 +2763,7 @@
           <p:cNvPr id="2" name="标题占位符 1">
             <a:extLst>
               <a:ext uri="{FF2B5EF4-FFF2-40B4-BE49-F238E27FC236}">
-                <a16:creationId xmlns:a16="http://schemas.microsoft.com/office/drawing/2014/main" id="{E72F2CDA-6D82-5368-003C-66AF73F84156}"/>
+                <a16:creationId xmlns:a16="http://schemas.microsoft.com/office/drawing/2014/main" id="{0594E94C-252D-616C-1ABC-348850CE05F4}"/>
               </a:ext>
             </a:extLst>
           </p:cNvPr>
@@ -2801,7 +2801,7 @@
           <p:cNvPr id="3" name="文本占位符 2">
             <a:extLst>
               <a:ext uri="{FF2B5EF4-FFF2-40B4-BE49-F238E27FC236}">
-                <a16:creationId xmlns:a16="http://schemas.microsoft.com/office/drawing/2014/main" id="{8E4A6396-6CAB-DBC4-A8BC-D18590219AF8}"/>
+                <a16:creationId xmlns:a16="http://schemas.microsoft.com/office/drawing/2014/main" id="{AF2F4920-632D-74EA-EFC9-05EE5ABA0C81}"/>
               </a:ext>
             </a:extLst>
           </p:cNvPr>
@@ -2868,7 +2868,7 @@
           <p:cNvPr id="4" name="日期占位符 3">
             <a:extLst>
               <a:ext uri="{FF2B5EF4-FFF2-40B4-BE49-F238E27FC236}">
-                <a16:creationId xmlns:a16="http://schemas.microsoft.com/office/drawing/2014/main" id="{555FD840-6B97-4C62-729F-7CF5D1D71863}"/>
+                <a16:creationId xmlns:a16="http://schemas.microsoft.com/office/drawing/2014/main" id="{C032722F-471B-5E07-80E2-C8CEEB1A755C}"/>
               </a:ext>
             </a:extLst>
           </p:cNvPr>
@@ -2902,7 +2902,7 @@
             </a:lvl1pPr>
           </a:lstStyle>
           <a:p>
-            <a:fld id="{7F3ECD08-94F6-4AD2-B5FB-7340706F3088}" type="datetimeFigureOut">
+            <a:fld id="{C3CC66DB-5DE6-4D36-85C3-0EB5AA32248A}" type="datetimeFigureOut">
               <a:rPr lang="zh-CN" altLang="en-US" smtClean="0"/>
               <a:t>2024/3/10</a:t>
             </a:fld>
@@ -2915,7 +2915,7 @@
           <p:cNvPr id="5" name="页脚占位符 4">
             <a:extLst>
               <a:ext uri="{FF2B5EF4-FFF2-40B4-BE49-F238E27FC236}">
-                <a16:creationId xmlns:a16="http://schemas.microsoft.com/office/drawing/2014/main" id="{C852DFB6-0B60-EA73-A14E-EDF3391F2EF2}"/>
+                <a16:creationId xmlns:a16="http://schemas.microsoft.com/office/drawing/2014/main" id="{D182FEE6-D377-D9B9-EE8F-4895B43E8B98}"/>
               </a:ext>
             </a:extLst>
           </p:cNvPr>
@@ -2958,7 +2958,7 @@
           <p:cNvPr id="6" name="灯片编号占位符 5">
             <a:extLst>
               <a:ext uri="{FF2B5EF4-FFF2-40B4-BE49-F238E27FC236}">
-                <a16:creationId xmlns:a16="http://schemas.microsoft.com/office/drawing/2014/main" id="{0422C58B-42D9-130C-E40A-9E752796E0BC}"/>
+                <a16:creationId xmlns:a16="http://schemas.microsoft.com/office/drawing/2014/main" id="{9C6C1483-67B1-8287-9B9E-5949ECE0CC43}"/>
               </a:ext>
             </a:extLst>
           </p:cNvPr>
@@ -2992,7 +2992,7 @@
             </a:lvl1pPr>
           </a:lstStyle>
           <a:p>
-            <a:fld id="{43AC1581-9490-46B0-BB42-BC38E8632258}" type="slidenum">
+            <a:fld id="{8554D4EC-91E9-487B-A04F-967F129FB425}" type="slidenum">
               <a:rPr lang="zh-CN" altLang="en-US" smtClean="0"/>
               <a:t>‹#›</a:t>
             </a:fld>
@@ -3003,7 +3003,7 @@
     </p:spTree>
     <p:extLst>
       <p:ext uri="{BB962C8B-B14F-4D97-AF65-F5344CB8AC3E}">
-        <p14:creationId xmlns:p14="http://schemas.microsoft.com/office/powerpoint/2010/main" val="3036076737"/>
+        <p14:creationId xmlns:p14="http://schemas.microsoft.com/office/powerpoint/2010/main" val="1304070169"/>
       </p:ext>
     </p:extLst>
   </p:cSld>
